--- a/presentation.pptx
+++ b/presentation.pptx
@@ -19,6 +19,9 @@
     <p:sldId id="266" r:id="rId14"/>
     <p:sldId id="267" r:id="rId15"/>
     <p:sldId id="268" r:id="rId16"/>
+    <p:sldId id="269" r:id="rId17"/>
+    <p:sldId id="270" r:id="rId18"/>
+    <p:sldId id="271" r:id="rId19"/>
   </p:sldIdLst>
   <p:sldSz cx="10080625" cy="7559675"/>
   <p:notesSz cx="7559675" cy="10691812"/>
@@ -2480,7 +2483,7 @@
           <a:bodyPr bIns="0" lIns="0" rIns="0" tIns="0" wrap="none"/>
           <a:p>
             <a:pPr algn="r"/>
-            <a:fld id="{596D676B-293E-4B7A-A707-F6A2726F5BC0}" type="slidenum">
+            <a:fld id="{BC38290B-EB82-46E4-93D6-572323FA31E7}" type="slidenum">
               <a:rPr lang="en-US"/>
               <a:t>&lt;number&gt;</a:t>
             </a:fld>
@@ -2777,7 +2780,7 @@
           <a:bodyPr bIns="0" lIns="0" rIns="0" tIns="0" wrap="none"/>
           <a:p>
             <a:pPr algn="r"/>
-            <a:fld id="{E0173D57-48FB-4C17-A3BA-BDD792B58F4B}" type="slidenum">
+            <a:fld id="{540F61FC-5D31-49CC-BBB2-CA69B0F00E0C}" type="slidenum">
               <a:rPr lang="en-US" sz="1400">
                 <a:solidFill>
                   <a:srgbClr val="ffffff"/>
@@ -3743,6 +3746,626 @@
           <p:childTnLst>
             <p:seq>
               <p:cTn id="26" nodeType="mainSeq"/>
+              <p:prevCondLst>
+                <p:cond delay="0" evt="onPrev">
+                  <p:tgtEl>
+                    <p:sldTgt/>
+                  </p:tgtEl>
+                </p:cond>
+              </p:prevCondLst>
+              <p:nextCondLst>
+                <p:cond delay="0" evt="onNext">
+                  <p:tgtEl>
+                    <p:sldTgt/>
+                  </p:tgtEl>
+                </p:cond>
+              </p:nextCondLst>
+            </p:seq>
+          </p:childTnLst>
+        </p:cTn>
+      </p:par>
+    </p:tnLst>
+  </p:timing>
+</p:sld>
+</file>
+
+<file path=ppt/slides/slide14.xml><?xml version="1.0" encoding="utf-8"?>
+<p:sld xmlns:a="http://schemas.openxmlformats.org/drawingml/2006/main" xmlns:p="http://schemas.openxmlformats.org/presentationml/2006/main" xmlns:r="http://schemas.openxmlformats.org/officeDocument/2006/relationships">
+  <p:cSld>
+    <p:spTree>
+      <p:nvGrpSpPr>
+        <p:cNvPr id="1" name=""/>
+        <p:cNvGrpSpPr/>
+        <p:nvPr/>
+      </p:nvGrpSpPr>
+      <p:grpSpPr>
+        <a:xfrm>
+          <a:off x="0" y="0"/>
+          <a:ext cx="0" cy="0"/>
+          <a:chOff x="0" y="0"/>
+          <a:chExt cx="0" cy="0"/>
+        </a:xfrm>
+      </p:grpSpPr>
+      <p:sp>
+        <p:nvSpPr>
+          <p:cNvPr id="111" name="TextShape 1"/>
+          <p:cNvSpPr txBox="1"/>
+          <p:nvPr/>
+        </p:nvSpPr>
+        <p:spPr>
+          <a:xfrm>
+            <a:off x="504000" y="301320"/>
+            <a:ext cx="9071640" cy="1261800"/>
+          </a:xfrm>
+          <a:prstGeom prst="rect">
+            <a:avLst/>
+          </a:prstGeom>
+        </p:spPr>
+        <p:txBody>
+          <a:bodyPr anchor="ctr" bIns="0" lIns="0" rIns="0" tIns="0" wrap="none"/>
+          <a:p>
+            <a:pPr algn="ctr"/>
+            <a:r>
+              <a:rPr lang="en-US"/>
+              <a:t>Crawler logic links</a:t>
+            </a:r>
+            <a:endParaRPr/>
+          </a:p>
+        </p:txBody>
+      </p:sp>
+      <p:sp>
+        <p:nvSpPr>
+          <p:cNvPr id="112" name="TextShape 2"/>
+          <p:cNvSpPr txBox="1"/>
+          <p:nvPr/>
+        </p:nvSpPr>
+        <p:spPr>
+          <a:xfrm>
+            <a:off x="504000" y="1768680"/>
+            <a:ext cx="9071640" cy="4384800"/>
+          </a:xfrm>
+          <a:prstGeom prst="rect">
+            <a:avLst/>
+          </a:prstGeom>
+        </p:spPr>
+        <p:txBody>
+          <a:bodyPr bIns="0" lIns="0" rIns="0" tIns="0" wrap="none"/>
+          <a:p>
+            <a:r>
+              <a:rPr lang="en-US">
+                <a:solidFill>
+                  <a:srgbClr val="0000ff"/>
+                </a:solidFill>
+              </a:rPr>
+              <a:t>//set link to last array</a:t>
+            </a:r>
+            <a:endParaRPr/>
+          </a:p>
+          <a:p>
+            <a:r>
+              <a:rPr lang="en-US"/>
+              <a:t>LinkScraper </a:t>
+            </a:r>
+            <a:r>
+              <a:rPr lang="en-US">
+                <a:solidFill>
+                  <a:srgbClr val="808080"/>
+                </a:solidFill>
+              </a:rPr>
+              <a:t>links</a:t>
+            </a:r>
+            <a:r>
+              <a:rPr lang="en-US"/>
+              <a:t> = </a:t>
+            </a:r>
+            <a:r>
+              <a:rPr lang="en-US">
+                <a:solidFill>
+                  <a:srgbClr val="ffff00"/>
+                </a:solidFill>
+              </a:rPr>
+              <a:t>new</a:t>
+            </a:r>
+            <a:r>
+              <a:rPr lang="en-US"/>
+              <a:t> LinkScraper(</a:t>
+            </a:r>
+            <a:r>
+              <a:rPr lang="en-US">
+                <a:solidFill>
+                  <a:srgbClr val="b84700"/>
+                </a:solidFill>
+              </a:rPr>
+              <a:t>DB</a:t>
+            </a:r>
+            <a:r>
+              <a:rPr lang="en-US"/>
+              <a:t>.getLastLink(</a:t>
+            </a:r>
+            <a:r>
+              <a:rPr lang="en-US">
+                <a:solidFill>
+                  <a:srgbClr val="ffff00"/>
+                </a:solidFill>
+              </a:rPr>
+              <a:t>0</a:t>
+            </a:r>
+            <a:r>
+              <a:rPr lang="en-US"/>
+              <a:t>));</a:t>
+            </a:r>
+            <a:endParaRPr/>
+          </a:p>
+          <a:p>
+            <a:r>
+              <a:rPr lang="en-US">
+                <a:solidFill>
+                  <a:srgbClr val="ffff00"/>
+                </a:solidFill>
+              </a:rPr>
+              <a:t>int </a:t>
+            </a:r>
+            <a:r>
+              <a:rPr lang="en-US"/>
+              <a:t>counter = </a:t>
+            </a:r>
+            <a:r>
+              <a:rPr lang="en-US">
+                <a:solidFill>
+                  <a:srgbClr val="ffff00"/>
+                </a:solidFill>
+              </a:rPr>
+              <a:t>1</a:t>
+            </a:r>
+            <a:r>
+              <a:rPr lang="en-US"/>
+              <a:t>;</a:t>
+            </a:r>
+            <a:endParaRPr/>
+          </a:p>
+          <a:p>
+            <a:r>
+              <a:rPr lang="en-US">
+                <a:solidFill>
+                  <a:srgbClr val="ffff00"/>
+                </a:solidFill>
+              </a:rPr>
+              <a:t>while</a:t>
+            </a:r>
+            <a:r>
+              <a:rPr lang="en-US"/>
+              <a:t>(!links.scrape()){</a:t>
+            </a:r>
+            <a:endParaRPr/>
+          </a:p>
+          <a:p>
+            <a:r>
+              <a:rPr lang="en-US"/>
+              <a:t>      </a:t>
+            </a:r>
+            <a:r>
+              <a:rPr lang="en-US">
+                <a:solidFill>
+                  <a:srgbClr val="0000ff"/>
+                </a:solidFill>
+              </a:rPr>
+              <a:t>//set links to last array -1</a:t>
+            </a:r>
+            <a:endParaRPr/>
+          </a:p>
+          <a:p>
+            <a:r>
+              <a:rPr lang="en-US"/>
+              <a:t>      </a:t>
+            </a:r>
+            <a:r>
+              <a:rPr lang="en-US"/>
+              <a:t>Links.setUrl(</a:t>
+            </a:r>
+            <a:r>
+              <a:rPr lang="en-US">
+                <a:solidFill>
+                  <a:srgbClr val="b84700"/>
+                </a:solidFill>
+              </a:rPr>
+              <a:t>DB</a:t>
+            </a:r>
+            <a:r>
+              <a:rPr lang="en-US"/>
+              <a:t>.getLastLink(counter)); </a:t>
+            </a:r>
+            <a:r>
+              <a:rPr lang="en-US"/>
+              <a:t>	</a:t>
+            </a:r>
+            <a:endParaRPr/>
+          </a:p>
+          <a:p>
+            <a:r>
+              <a:rPr lang="en-US"/>
+              <a:t>}</a:t>
+            </a:r>
+            <a:endParaRPr/>
+          </a:p>
+        </p:txBody>
+      </p:sp>
+    </p:spTree>
+  </p:cSld>
+  <p:timing>
+    <p:tnLst>
+      <p:par>
+        <p:cTn dur="indefinite" id="27" nodeType="tmRoot" restart="never">
+          <p:childTnLst>
+            <p:seq>
+              <p:cTn id="28" nodeType="mainSeq"/>
+              <p:prevCondLst>
+                <p:cond delay="0" evt="onPrev">
+                  <p:tgtEl>
+                    <p:sldTgt/>
+                  </p:tgtEl>
+                </p:cond>
+              </p:prevCondLst>
+              <p:nextCondLst>
+                <p:cond delay="0" evt="onNext">
+                  <p:tgtEl>
+                    <p:sldTgt/>
+                  </p:tgtEl>
+                </p:cond>
+              </p:nextCondLst>
+            </p:seq>
+          </p:childTnLst>
+        </p:cTn>
+      </p:par>
+    </p:tnLst>
+  </p:timing>
+</p:sld>
+</file>
+
+<file path=ppt/slides/slide15.xml><?xml version="1.0" encoding="utf-8"?>
+<p:sld xmlns:a="http://schemas.openxmlformats.org/drawingml/2006/main" xmlns:p="http://schemas.openxmlformats.org/presentationml/2006/main" xmlns:r="http://schemas.openxmlformats.org/officeDocument/2006/relationships">
+  <p:cSld>
+    <p:spTree>
+      <p:nvGrpSpPr>
+        <p:cNvPr id="1" name=""/>
+        <p:cNvGrpSpPr/>
+        <p:nvPr/>
+      </p:nvGrpSpPr>
+      <p:grpSpPr>
+        <a:xfrm>
+          <a:off x="0" y="0"/>
+          <a:ext cx="0" cy="0"/>
+          <a:chOff x="0" y="0"/>
+          <a:chExt cx="0" cy="0"/>
+        </a:xfrm>
+      </p:grpSpPr>
+      <p:sp>
+        <p:nvSpPr>
+          <p:cNvPr id="113" name="TextShape 1"/>
+          <p:cNvSpPr txBox="1"/>
+          <p:nvPr/>
+        </p:nvSpPr>
+        <p:spPr>
+          <a:xfrm>
+            <a:off x="504000" y="301320"/>
+            <a:ext cx="9071640" cy="1261800"/>
+          </a:xfrm>
+          <a:prstGeom prst="rect">
+            <a:avLst/>
+          </a:prstGeom>
+        </p:spPr>
+        <p:txBody>
+          <a:bodyPr anchor="ctr" bIns="0" lIns="0" rIns="0" tIns="0" wrap="none"/>
+          <a:p>
+            <a:pPr algn="ctr"/>
+            <a:r>
+              <a:rPr lang="en-US"/>
+              <a:t>Crawler logic words</a:t>
+            </a:r>
+            <a:endParaRPr/>
+          </a:p>
+        </p:txBody>
+      </p:sp>
+      <p:sp>
+        <p:nvSpPr>
+          <p:cNvPr id="114" name="TextShape 2"/>
+          <p:cNvSpPr txBox="1"/>
+          <p:nvPr/>
+        </p:nvSpPr>
+        <p:spPr>
+          <a:xfrm>
+            <a:off x="504000" y="1768680"/>
+            <a:ext cx="9071640" cy="4384800"/>
+          </a:xfrm>
+          <a:prstGeom prst="rect">
+            <a:avLst/>
+          </a:prstGeom>
+        </p:spPr>
+        <p:txBody>
+          <a:bodyPr bIns="0" lIns="0" rIns="0" tIns="0" wrap="none"/>
+          <a:p>
+            <a:r>
+              <a:rPr lang="en-US"/>
+              <a:t>WordScraper </a:t>
+            </a:r>
+            <a:r>
+              <a:rPr lang="en-US">
+                <a:solidFill>
+                  <a:srgbClr val="808080"/>
+                </a:solidFill>
+              </a:rPr>
+              <a:t>words</a:t>
+            </a:r>
+            <a:r>
+              <a:rPr lang="en-US"/>
+              <a:t> = </a:t>
+            </a:r>
+            <a:r>
+              <a:rPr lang="en-US">
+                <a:solidFill>
+                  <a:srgbClr val="ffff00"/>
+                </a:solidFill>
+              </a:rPr>
+              <a:t>new</a:t>
+            </a:r>
+            <a:r>
+              <a:rPr lang="en-US"/>
+              <a:t> WordScraper(</a:t>
+            </a:r>
+            <a:r>
+              <a:rPr lang="en-US">
+                <a:solidFill>
+                  <a:srgbClr val="b84700"/>
+                </a:solidFill>
+              </a:rPr>
+              <a:t>DB</a:t>
+            </a:r>
+            <a:r>
+              <a:rPr lang="en-US"/>
+              <a:t>.getFirstLink());</a:t>
+            </a:r>
+            <a:endParaRPr/>
+          </a:p>
+          <a:p>
+            <a:r>
+              <a:rPr lang="en-US">
+                <a:solidFill>
+                  <a:srgbClr val="0000ff"/>
+                </a:solidFill>
+              </a:rPr>
+              <a:t>//set link = to first link with no date</a:t>
+            </a:r>
+            <a:endParaRPr/>
+          </a:p>
+          <a:p>
+            <a:r>
+              <a:rPr lang="en-US">
+                <a:solidFill>
+                  <a:srgbClr val="ffff00"/>
+                </a:solidFill>
+              </a:rPr>
+              <a:t>while</a:t>
+            </a:r>
+            <a:r>
+              <a:rPr lang="en-US"/>
+              <a:t>(!words.Scrape()){</a:t>
+            </a:r>
+            <a:endParaRPr/>
+          </a:p>
+          <a:p>
+            <a:r>
+              <a:rPr lang="en-US"/>
+              <a:t>         </a:t>
+            </a:r>
+            <a:r>
+              <a:rPr lang="en-US">
+                <a:solidFill>
+                  <a:srgbClr val="0000ff"/>
+                </a:solidFill>
+              </a:rPr>
+              <a:t>//set link to next array without a date</a:t>
+            </a:r>
+            <a:r>
+              <a:rPr lang="en-US"/>
+              <a:t>       </a:t>
+            </a:r>
+            <a:endParaRPr/>
+          </a:p>
+          <a:p>
+            <a:r>
+              <a:rPr lang="en-US"/>
+              <a:t>        </a:t>
+            </a:r>
+            <a:r>
+              <a:rPr lang="en-US">
+                <a:solidFill>
+                  <a:srgbClr val="b84700"/>
+                </a:solidFill>
+              </a:rPr>
+              <a:t> </a:t>
+            </a:r>
+            <a:r>
+              <a:rPr lang="en-US">
+                <a:solidFill>
+                  <a:srgbClr val="ffffff"/>
+                </a:solidFill>
+              </a:rPr>
+              <a:t>Words.setUrl(</a:t>
+            </a:r>
+            <a:r>
+              <a:rPr lang="en-US">
+                <a:solidFill>
+                  <a:srgbClr val="b84700"/>
+                </a:solidFill>
+              </a:rPr>
+              <a:t>DB</a:t>
+            </a:r>
+            <a:r>
+              <a:rPr lang="en-US"/>
+              <a:t>.getFirstLink());       </a:t>
+            </a:r>
+            <a:endParaRPr/>
+          </a:p>
+          <a:p>
+            <a:r>
+              <a:rPr lang="en-US"/>
+              <a:t>}</a:t>
+            </a:r>
+            <a:endParaRPr/>
+          </a:p>
+        </p:txBody>
+      </p:sp>
+    </p:spTree>
+  </p:cSld>
+  <p:timing>
+    <p:tnLst>
+      <p:par>
+        <p:cTn dur="indefinite" id="29" nodeType="tmRoot" restart="never">
+          <p:childTnLst>
+            <p:seq>
+              <p:cTn id="30" nodeType="mainSeq"/>
+              <p:prevCondLst>
+                <p:cond delay="0" evt="onPrev">
+                  <p:tgtEl>
+                    <p:sldTgt/>
+                  </p:tgtEl>
+                </p:cond>
+              </p:prevCondLst>
+              <p:nextCondLst>
+                <p:cond delay="0" evt="onNext">
+                  <p:tgtEl>
+                    <p:sldTgt/>
+                  </p:tgtEl>
+                </p:cond>
+              </p:nextCondLst>
+            </p:seq>
+          </p:childTnLst>
+        </p:cTn>
+      </p:par>
+    </p:tnLst>
+  </p:timing>
+</p:sld>
+</file>
+
+<file path=ppt/slides/slide16.xml><?xml version="1.0" encoding="utf-8"?>
+<p:sld xmlns:a="http://schemas.openxmlformats.org/drawingml/2006/main" xmlns:p="http://schemas.openxmlformats.org/presentationml/2006/main" xmlns:r="http://schemas.openxmlformats.org/officeDocument/2006/relationships">
+  <p:cSld>
+    <p:spTree>
+      <p:nvGrpSpPr>
+        <p:cNvPr id="1" name=""/>
+        <p:cNvGrpSpPr/>
+        <p:nvPr/>
+      </p:nvGrpSpPr>
+      <p:grpSpPr>
+        <a:xfrm>
+          <a:off x="0" y="0"/>
+          <a:ext cx="0" cy="0"/>
+          <a:chOff x="0" y="0"/>
+          <a:chExt cx="0" cy="0"/>
+        </a:xfrm>
+      </p:grpSpPr>
+      <p:sp>
+        <p:nvSpPr>
+          <p:cNvPr id="115" name="TextShape 1"/>
+          <p:cNvSpPr txBox="1"/>
+          <p:nvPr/>
+        </p:nvSpPr>
+        <p:spPr>
+          <a:xfrm>
+            <a:off x="504000" y="301320"/>
+            <a:ext cx="9071640" cy="1261800"/>
+          </a:xfrm>
+          <a:prstGeom prst="rect">
+            <a:avLst/>
+          </a:prstGeom>
+        </p:spPr>
+        <p:txBody>
+          <a:bodyPr anchor="ctr" bIns="0" lIns="0" rIns="0" tIns="0" wrap="none"/>
+          <a:p>
+            <a:pPr algn="ctr"/>
+            <a:r>
+              <a:rPr lang="en-US"/>
+              <a:t>Frount End </a:t>
+            </a:r>
+            <a:endParaRPr/>
+          </a:p>
+        </p:txBody>
+      </p:sp>
+      <p:sp>
+        <p:nvSpPr>
+          <p:cNvPr id="116" name="TextShape 2"/>
+          <p:cNvSpPr txBox="1"/>
+          <p:nvPr/>
+        </p:nvSpPr>
+        <p:spPr>
+          <a:xfrm>
+            <a:off x="504000" y="1768680"/>
+            <a:ext cx="9071640" cy="4384800"/>
+          </a:xfrm>
+          <a:prstGeom prst="rect">
+            <a:avLst/>
+          </a:prstGeom>
+        </p:spPr>
+        <p:txBody>
+          <a:bodyPr bIns="0" lIns="0" rIns="0" tIns="0" wrap="none"/>
+          <a:p>
+            <a:pPr>
+              <a:buSzPct val="25000"/>
+              <a:buFont typeface="StarSymbol"/>
+              <a:buChar char=""/>
+            </a:pPr>
+            <a:r>
+              <a:rPr lang="en-US"/>
+              <a:t>Will display a exept a search string </a:t>
+            </a:r>
+            <a:endParaRPr/>
+          </a:p>
+          <a:p>
+            <a:pPr>
+              <a:buSzPct val="25000"/>
+              <a:buFont typeface="StarSymbol"/>
+              <a:buChar char=""/>
+            </a:pPr>
+            <a:r>
+              <a:rPr lang="en-US"/>
+              <a:t>String is parsed based on spelling and stop word list and split on space </a:t>
+            </a:r>
+            <a:endParaRPr/>
+          </a:p>
+          <a:p>
+            <a:pPr>
+              <a:buSzPct val="25000"/>
+              <a:buFont typeface="StarSymbol"/>
+              <a:buChar char=""/>
+            </a:pPr>
+            <a:r>
+              <a:rPr lang="en-US"/>
+              <a:t>Searches the databse and retuns pages that have the most keyword fist</a:t>
+            </a:r>
+            <a:endParaRPr/>
+          </a:p>
+          <a:p>
+            <a:pPr>
+              <a:buSzPct val="25000"/>
+              <a:buFont typeface="StarSymbol"/>
+              <a:buChar char=""/>
+            </a:pPr>
+            <a:r>
+              <a:rPr lang="en-US"/>
+              <a:t>Grabs the page title and snip it form the intenet (for now may want to store info about the site later)</a:t>
+            </a:r>
+            <a:endParaRPr/>
+          </a:p>
+        </p:txBody>
+      </p:sp>
+    </p:spTree>
+  </p:cSld>
+  <p:timing>
+    <p:tnLst>
+      <p:par>
+        <p:cTn dur="indefinite" id="31" nodeType="tmRoot" restart="never">
+          <p:childTnLst>
+            <p:seq>
+              <p:cTn id="32" nodeType="mainSeq"/>
               <p:prevCondLst>
                 <p:cond delay="0" evt="onPrev">
                   <p:tgtEl>
